--- a/HRAS.Introducción.pptx
+++ b/HRAS.Introducción.pptx
@@ -5,10 +5,10 @@
     <p:sldMasterId id="2147483778" r:id="rId4"/>
   </p:sldMasterIdLst>
   <p:notesMasterIdLst>
-    <p:notesMasterId r:id="rId15"/>
+    <p:notesMasterId r:id="rId16"/>
   </p:notesMasterIdLst>
   <p:handoutMasterIdLst>
-    <p:handoutMasterId r:id="rId16"/>
+    <p:handoutMasterId r:id="rId17"/>
   </p:handoutMasterIdLst>
   <p:sldIdLst>
     <p:sldId id="314" r:id="rId5"/>
@@ -21,6 +21,7 @@
     <p:sldId id="320" r:id="rId12"/>
     <p:sldId id="321" r:id="rId13"/>
     <p:sldId id="322" r:id="rId14"/>
+    <p:sldId id="341" r:id="rId15"/>
   </p:sldIdLst>
   <p:sldSz cx="12192000" cy="6858000"/>
   <p:notesSz cx="6858000" cy="9144000"/>
@@ -134,6 +135,7 @@
             <p14:sldId id="320"/>
             <p14:sldId id="321"/>
             <p14:sldId id="322"/>
+            <p14:sldId id="341"/>
           </p14:sldIdLst>
         </p14:section>
       </p14:sectionLst>
@@ -243,7 +245,7 @@
             <a:pPr rtl="0"/>
             <a:fld id="{FAB3E6E3-061B-41A2-BBDC-C5312A04A40A}" type="datetime1">
               <a:rPr lang="es-ES" smtClean="0"/>
-              <a:t>10/08/2022</a:t>
+              <a:t>01/11/2022</a:t>
             </a:fld>
             <a:endParaRPr lang="es-ES" dirty="0"/>
           </a:p>
@@ -413,7 +415,7 @@
             <a:pPr rtl="0"/>
             <a:fld id="{2145992C-CBBF-4F24-8325-F5CB0EAAC0E9}" type="datetime1">
               <a:rPr lang="es-ES" noProof="0" smtClean="0"/>
-              <a:t>10/08/2022</a:t>
+              <a:t>01/11/2022</a:t>
             </a:fld>
             <a:endParaRPr lang="es-ES" noProof="0" dirty="0"/>
           </a:p>
@@ -1194,6 +1196,98 @@
 </p:notes>
 </file>
 
+<file path=ppt/notesSlides/notesSlide7.xml><?xml version="1.0" encoding="utf-8"?>
+<p:notes xmlns:a="http://schemas.openxmlformats.org/drawingml/2006/main" xmlns:r="http://schemas.openxmlformats.org/officeDocument/2006/relationships" xmlns:p="http://schemas.openxmlformats.org/presentationml/2006/main">
+  <p:cSld>
+    <p:spTree>
+      <p:nvGrpSpPr>
+        <p:cNvPr id="1" name=""/>
+        <p:cNvGrpSpPr/>
+        <p:nvPr/>
+      </p:nvGrpSpPr>
+      <p:grpSpPr>
+        <a:xfrm>
+          <a:off x="0" y="0"/>
+          <a:ext cx="0" cy="0"/>
+          <a:chOff x="0" y="0"/>
+          <a:chExt cx="0" cy="0"/>
+        </a:xfrm>
+      </p:grpSpPr>
+      <p:sp>
+        <p:nvSpPr>
+          <p:cNvPr id="2" name="Slide Image Placeholder 1"/>
+          <p:cNvSpPr>
+            <a:spLocks noGrp="1" noRot="1" noChangeAspect="1"/>
+          </p:cNvSpPr>
+          <p:nvPr>
+            <p:ph type="sldImg"/>
+          </p:nvPr>
+        </p:nvSpPr>
+        <p:spPr/>
+      </p:sp>
+      <p:sp>
+        <p:nvSpPr>
+          <p:cNvPr id="3" name="Notes Placeholder 2"/>
+          <p:cNvSpPr>
+            <a:spLocks noGrp="1"/>
+          </p:cNvSpPr>
+          <p:nvPr>
+            <p:ph type="body" idx="1"/>
+          </p:nvPr>
+        </p:nvSpPr>
+        <p:spPr/>
+        <p:txBody>
+          <a:bodyPr/>
+          <a:lstStyle/>
+          <a:p>
+            <a:endParaRPr lang="es-CO" sz="1200" b="0" i="0" dirty="0">
+              <a:solidFill>
+                <a:srgbClr val="24292F"/>
+              </a:solidFill>
+              <a:effectLst/>
+              <a:latin typeface="-apple-system"/>
+              <a:cs typeface="Segoe UI Light" panose="020B0502040204020203" pitchFamily="34" charset="0"/>
+            </a:endParaRPr>
+          </a:p>
+        </p:txBody>
+      </p:sp>
+      <p:sp>
+        <p:nvSpPr>
+          <p:cNvPr id="4" name="Slide Number Placeholder 3"/>
+          <p:cNvSpPr>
+            <a:spLocks noGrp="1"/>
+          </p:cNvSpPr>
+          <p:nvPr>
+            <p:ph type="sldNum" sz="quarter" idx="5"/>
+          </p:nvPr>
+        </p:nvSpPr>
+        <p:spPr/>
+        <p:txBody>
+          <a:bodyPr/>
+          <a:lstStyle/>
+          <a:p>
+            <a:pPr rtl="0"/>
+            <a:fld id="{810E1E9A-E921-4174-A0FC-51868D7AC568}" type="slidenum">
+              <a:rPr lang="es-ES" noProof="0" smtClean="0"/>
+              <a:t>11</a:t>
+            </a:fld>
+            <a:endParaRPr lang="es-ES" noProof="0" dirty="0"/>
+          </a:p>
+        </p:txBody>
+      </p:sp>
+    </p:spTree>
+    <p:extLst>
+      <p:ext uri="{BB962C8B-B14F-4D97-AF65-F5344CB8AC3E}">
+        <p14:creationId xmlns:p14="http://schemas.microsoft.com/office/powerpoint/2010/main" val="3690597260"/>
+      </p:ext>
+    </p:extLst>
+  </p:cSld>
+  <p:clrMapOvr>
+    <a:masterClrMapping/>
+  </p:clrMapOvr>
+</p:notes>
+</file>
+
 <file path=ppt/slideLayouts/slideLayout1.xml><?xml version="1.0" encoding="utf-8"?>
 <p:sldLayout xmlns:a="http://schemas.openxmlformats.org/drawingml/2006/main" xmlns:r="http://schemas.openxmlformats.org/officeDocument/2006/relationships" xmlns:p="http://schemas.openxmlformats.org/presentationml/2006/main" preserve="1" userDrawn="1">
   <p:cSld name="Diapositiva de bienvenida e introducción">
@@ -1337,7 +1431,7 @@
             <a:pPr rtl="0"/>
             <a:fld id="{55224D71-97F5-4B9D-B11B-235152E09E96}" type="datetime1">
               <a:rPr lang="es-ES" noProof="0" smtClean="0"/>
-              <a:t>10/08/2022</a:t>
+              <a:t>01/11/2022</a:t>
             </a:fld>
             <a:endParaRPr lang="es-ES" noProof="0" dirty="0"/>
           </a:p>
@@ -1686,7 +1780,7 @@
             <a:pPr rtl="0"/>
             <a:fld id="{2AB3A384-AAB1-4A76-A43B-EFE930A802BF}" type="datetime1">
               <a:rPr lang="es-ES" noProof="0" smtClean="0"/>
-              <a:t>10/08/2022</a:t>
+              <a:t>01/11/2022</a:t>
             </a:fld>
             <a:endParaRPr lang="es-ES" noProof="0" dirty="0"/>
           </a:p>
@@ -1828,7 +1922,7 @@
             <a:pPr rtl="0"/>
             <a:fld id="{95F109E8-29A7-4A4D-BBAF-954B5246DC6B}" type="datetime1">
               <a:rPr lang="es-ES" noProof="0" smtClean="0"/>
-              <a:t>10/08/2022</a:t>
+              <a:t>01/11/2022</a:t>
             </a:fld>
             <a:endParaRPr lang="es-ES" noProof="0" dirty="0"/>
           </a:p>
@@ -1942,7 +2036,7 @@
             <a:pPr rtl="0"/>
             <a:fld id="{3EDF4B7F-437B-43B6-8193-868254AADFEB}" type="datetime1">
               <a:rPr lang="es-ES" noProof="0" smtClean="0"/>
-              <a:t>10/08/2022</a:t>
+              <a:t>01/11/2022</a:t>
             </a:fld>
             <a:endParaRPr lang="es-ES" noProof="0" dirty="0"/>
           </a:p>
@@ -2242,7 +2336,7 @@
             <a:pPr rtl="0"/>
             <a:fld id="{5FD9D2A0-9803-4B3F-A6B6-606959F35242}" type="datetime1">
               <a:rPr lang="es-ES" noProof="0" smtClean="0"/>
-              <a:t>10/08/2022</a:t>
+              <a:t>01/11/2022</a:t>
             </a:fld>
             <a:endParaRPr lang="es-ES" noProof="0" dirty="0"/>
           </a:p>
@@ -2513,7 +2607,7 @@
             <a:pPr rtl="0"/>
             <a:fld id="{B48CB6FA-6884-4007-A174-A67BE7A1CA93}" type="datetime1">
               <a:rPr lang="es-ES" noProof="0" smtClean="0"/>
-              <a:t>10/08/2022</a:t>
+              <a:t>01/11/2022</a:t>
             </a:fld>
             <a:endParaRPr lang="es-ES" noProof="0" dirty="0"/>
           </a:p>
@@ -2784,7 +2878,7 @@
             <a:pPr rtl="0"/>
             <a:fld id="{DCA87387-1199-4F13-92EC-EA845724990E}" type="datetime1">
               <a:rPr lang="es-ES" noProof="0" smtClean="0"/>
-              <a:t>10/08/2022</a:t>
+              <a:t>01/11/2022</a:t>
             </a:fld>
             <a:endParaRPr lang="es-ES" noProof="0" dirty="0"/>
           </a:p>
@@ -2962,7 +3056,7 @@
             <a:pPr rtl="0"/>
             <a:fld id="{0277B9E3-6C0A-45A5-BAE5-CD19B242173D}" type="datetime1">
               <a:rPr lang="es-ES" noProof="0" smtClean="0"/>
-              <a:t>10/08/2022</a:t>
+              <a:t>01/11/2022</a:t>
             </a:fld>
             <a:endParaRPr lang="es-ES" noProof="0" dirty="0"/>
           </a:p>
@@ -3150,7 +3244,7 @@
             <a:pPr rtl="0"/>
             <a:fld id="{AB41DD2C-FA4F-413E-A1B5-23565A0780B7}" type="datetime1">
               <a:rPr lang="es-ES" noProof="0" smtClean="0"/>
-              <a:t>10/08/2022</a:t>
+              <a:t>01/11/2022</a:t>
             </a:fld>
             <a:endParaRPr lang="es-ES" noProof="0" dirty="0"/>
           </a:p>
@@ -3400,7 +3494,7 @@
             <a:pPr rtl="0"/>
             <a:fld id="{0D82DBE2-B5E9-4999-A9C0-55ED93FCE73D}" type="datetime1">
               <a:rPr lang="es-ES" noProof="0" smtClean="0"/>
-              <a:t>10/08/2022</a:t>
+              <a:t>01/11/2022</a:t>
             </a:fld>
             <a:endParaRPr lang="es-ES" noProof="0" dirty="0"/>
           </a:p>
@@ -3650,7 +3744,7 @@
             <a:pPr rtl="0"/>
             <a:fld id="{89B7BC24-C90D-4DAD-A6CB-BBA58C4D57BB}" type="datetime1">
               <a:rPr lang="es-ES" noProof="0" smtClean="0"/>
-              <a:t>10/08/2022</a:t>
+              <a:t>01/11/2022</a:t>
             </a:fld>
             <a:endParaRPr lang="es-ES" noProof="0" dirty="0"/>
           </a:p>
@@ -3913,7 +4007,7 @@
             <a:pPr rtl="0"/>
             <a:fld id="{217D4995-77A4-48E5-92B1-2DC992A39FBB}" type="datetime1">
               <a:rPr lang="es-ES" noProof="0" smtClean="0"/>
-              <a:t>10/08/2022</a:t>
+              <a:t>01/11/2022</a:t>
             </a:fld>
             <a:endParaRPr lang="es-ES" noProof="0" dirty="0"/>
           </a:p>
@@ -4187,7 +4281,7 @@
             <a:pPr rtl="0"/>
             <a:fld id="{AE8112B3-1F24-452F-80DE-56BF301098EC}" type="datetime1">
               <a:rPr lang="es-ES" noProof="0" smtClean="0"/>
-              <a:t>10/08/2022</a:t>
+              <a:t>01/11/2022</a:t>
             </a:fld>
             <a:endParaRPr lang="es-ES" noProof="0" dirty="0"/>
           </a:p>
@@ -4553,7 +4647,7 @@
             <a:pPr rtl="0"/>
             <a:fld id="{39B46DA2-8C2E-44C4-A865-CD3D33CFD45F}" type="datetime1">
               <a:rPr lang="es-ES" noProof="0" smtClean="0"/>
-              <a:t>10/08/2022</a:t>
+              <a:t>01/11/2022</a:t>
             </a:fld>
             <a:endParaRPr lang="es-ES" noProof="0" dirty="0"/>
           </a:p>
@@ -4908,7 +5002,7 @@
             <a:pPr rtl="0"/>
             <a:fld id="{D1525062-C568-4AE5-A98F-45E6D6D3E9AC}" type="datetime1">
               <a:rPr lang="es-ES" noProof="0" smtClean="0"/>
-              <a:t>10/08/2022</a:t>
+              <a:t>01/11/2022</a:t>
             </a:fld>
             <a:endParaRPr lang="es-ES" noProof="0" dirty="0"/>
           </a:p>
@@ -5403,7 +5497,7 @@
             <a:pPr rtl="0"/>
             <a:fld id="{8EBA81B0-EA87-4E7B-A74D-942650D6BCED}" type="datetime1">
               <a:rPr lang="es-ES" noProof="0" smtClean="0"/>
-              <a:t>10/08/2022</a:t>
+              <a:t>01/11/2022</a:t>
             </a:fld>
             <a:endParaRPr lang="es-ES" noProof="0" dirty="0"/>
           </a:p>
@@ -5898,7 +5992,7 @@
             <a:pPr rtl="0"/>
             <a:fld id="{F6653BDA-CE15-46D4-A5A4-C9E9758DEFB2}" type="datetime1">
               <a:rPr lang="es-ES" noProof="0" smtClean="0"/>
-              <a:t>10/08/2022</a:t>
+              <a:t>01/11/2022</a:t>
             </a:fld>
             <a:endParaRPr lang="es-ES" noProof="0" dirty="0"/>
           </a:p>
@@ -6122,7 +6216,7 @@
             <a:pPr rtl="0"/>
             <a:fld id="{72696FBB-EB5C-4293-9014-59E70AE1A5E6}" type="datetime1">
               <a:rPr lang="es-ES" noProof="0" smtClean="0"/>
-              <a:t>10/08/2022</a:t>
+              <a:t>01/11/2022</a:t>
             </a:fld>
             <a:endParaRPr lang="es-ES" noProof="0" dirty="0"/>
           </a:p>
@@ -6558,75 +6652,6 @@
           <a:chExt cx="0" cy="0"/>
         </a:xfrm>
       </p:grpSpPr>
-      <p:graphicFrame>
-        <p:nvGraphicFramePr>
-          <p:cNvPr id="11" name="Object 5">
-            <a:extLst>
-              <a:ext uri="{FF2B5EF4-FFF2-40B4-BE49-F238E27FC236}">
-                <a16:creationId xmlns:a16="http://schemas.microsoft.com/office/drawing/2014/main" id="{F5AE930A-EFBB-690D-0779-3D4355A2FC03}"/>
-              </a:ext>
-            </a:extLst>
-          </p:cNvPr>
-          <p:cNvGraphicFramePr>
-            <a:graphicFrameLocks noChangeAspect="1"/>
-          </p:cNvGraphicFramePr>
-          <p:nvPr>
-            <p:extLst>
-              <p:ext uri="{D42A27DB-BD31-4B8C-83A1-F6EECF244321}">
-                <p14:modId xmlns:p14="http://schemas.microsoft.com/office/powerpoint/2010/main" val="2866796222"/>
-              </p:ext>
-            </p:extLst>
-          </p:nvPr>
-        </p:nvGraphicFramePr>
-        <p:xfrm>
-          <a:off x="0" y="0"/>
-          <a:ext cx="12191999" cy="6858000"/>
-        </p:xfrm>
-        <a:graphic>
-          <a:graphicData uri="http://schemas.openxmlformats.org/presentationml/2006/ole">
-            <mc:AlternateContent xmlns:mc="http://schemas.openxmlformats.org/markup-compatibility/2006">
-              <mc:Choice xmlns:v="urn:schemas-microsoft-com:vml" Requires="v">
-                <p:oleObj name="CorelDRAW" r:id="rId3" imgW="7480342" imgH="4222569" progId="CorelDraw.Graphic.24">
-                  <p:embed/>
-                </p:oleObj>
-              </mc:Choice>
-              <mc:Fallback>
-                <p:oleObj name="CorelDRAW" r:id="rId3" imgW="7480342" imgH="4222569" progId="CorelDraw.Graphic.24">
-                  <p:embed/>
-                  <p:pic>
-                    <p:nvPicPr>
-                      <p:cNvPr id="6" name="Object 5">
-                        <a:extLst>
-                          <a:ext uri="{FF2B5EF4-FFF2-40B4-BE49-F238E27FC236}">
-                            <a16:creationId xmlns:a16="http://schemas.microsoft.com/office/drawing/2014/main" id="{B19285DA-D4B8-438E-EB43-D61698FB986F}"/>
-                          </a:ext>
-                        </a:extLst>
-                      </p:cNvPr>
-                      <p:cNvPicPr/>
-                      <p:nvPr/>
-                    </p:nvPicPr>
-                    <p:blipFill>
-                      <a:blip r:embed="rId4"/>
-                      <a:stretch>
-                        <a:fillRect/>
-                      </a:stretch>
-                    </p:blipFill>
-                    <p:spPr>
-                      <a:xfrm>
-                        <a:off x="0" y="0"/>
-                        <a:ext cx="12191999" cy="6858000"/>
-                      </a:xfrm>
-                      <a:prstGeom prst="rect">
-                        <a:avLst/>
-                      </a:prstGeom>
-                    </p:spPr>
-                  </p:pic>
-                </p:oleObj>
-              </mc:Fallback>
-            </mc:AlternateContent>
-          </a:graphicData>
-        </a:graphic>
-      </p:graphicFrame>
       <p:sp>
         <p:nvSpPr>
           <p:cNvPr id="4" name="Content Placeholder 3">
@@ -6739,7 +6764,7 @@
           <p:nvPr/>
         </p:nvPicPr>
         <p:blipFill rotWithShape="1">
-          <a:blip r:embed="rId5">
+          <a:blip r:embed="rId3">
             <a:clrChange>
               <a:clrFrom>
                 <a:srgbClr val="EFEFEF"/>
@@ -6753,7 +6778,7 @@
             <a:extLst>
               <a:ext uri="{BEBA8EAE-BF5A-486C-A8C5-ECC9F3942E4B}">
                 <a14:imgProps xmlns:a14="http://schemas.microsoft.com/office/drawing/2010/main">
-                  <a14:imgLayer r:embed="rId6">
+                  <a14:imgLayer r:embed="rId4">
                     <a14:imgEffect>
                       <a14:backgroundRemoval t="2905" b="98133" l="21492" r="88496">
                         <a14:foregroundMark x1="36789" y1="6846" x2="25664" y2="4149"/>
@@ -7028,7 +7053,7 @@
                 <a:latin typeface="+mj-lt"/>
                 <a:cs typeface="Adobe Devanagari" panose="02040503050201020203" pitchFamily="18" charset="0"/>
               </a:rPr>
-              <a:t>Visualización y generación de mapas de inundación.</a:t>
+              <a:t>Visualización y generación de mapas.</a:t>
             </a:r>
           </a:p>
           <a:p>
@@ -7041,7 +7066,7 @@
                 <a:latin typeface="+mj-lt"/>
                 <a:cs typeface="Adobe Devanagari" panose="02040503050201020203" pitchFamily="18" charset="0"/>
               </a:rPr>
-              <a:t>Obras hidráulicas en modelaciones bidimensionales</a:t>
+              <a:t>Obras hidráulicas en modelaciones 2D</a:t>
             </a:r>
             <a:r>
               <a:rPr lang="es-ES" dirty="0">
@@ -7096,6 +7121,572 @@
     <p:extLst>
       <p:ext uri="{BB962C8B-B14F-4D97-AF65-F5344CB8AC3E}">
         <p14:creationId xmlns:p14="http://schemas.microsoft.com/office/powerpoint/2010/main" val="2673971088"/>
+      </p:ext>
+    </p:extLst>
+  </p:cSld>
+  <p:clrMapOvr>
+    <a:masterClrMapping/>
+  </p:clrMapOvr>
+</p:sld>
+</file>
+
+<file path=ppt/slides/slide11.xml><?xml version="1.0" encoding="utf-8"?>
+<p:sld xmlns:a="http://schemas.openxmlformats.org/drawingml/2006/main" xmlns:r="http://schemas.openxmlformats.org/officeDocument/2006/relationships" xmlns:p="http://schemas.openxmlformats.org/presentationml/2006/main">
+  <p:cSld>
+    <p:bg>
+      <p:bgPr>
+        <a:solidFill>
+          <a:schemeClr val="bg1">
+            <a:lumMod val="90000"/>
+          </a:schemeClr>
+        </a:solidFill>
+        <a:effectLst/>
+      </p:bgPr>
+    </p:bg>
+    <p:spTree>
+      <p:nvGrpSpPr>
+        <p:cNvPr id="1" name=""/>
+        <p:cNvGrpSpPr/>
+        <p:nvPr/>
+      </p:nvGrpSpPr>
+      <p:grpSpPr>
+        <a:xfrm>
+          <a:off x="0" y="0"/>
+          <a:ext cx="0" cy="0"/>
+          <a:chOff x="0" y="0"/>
+          <a:chExt cx="0" cy="0"/>
+        </a:xfrm>
+      </p:grpSpPr>
+      <p:sp>
+        <p:nvSpPr>
+          <p:cNvPr id="3" name="Title 1">
+            <a:extLst>
+              <a:ext uri="{FF2B5EF4-FFF2-40B4-BE49-F238E27FC236}">
+                <a16:creationId xmlns:a16="http://schemas.microsoft.com/office/drawing/2014/main" id="{5293DDAA-B5E7-2D95-74A3-91A199E94E6C}"/>
+              </a:ext>
+            </a:extLst>
+          </p:cNvPr>
+          <p:cNvSpPr txBox="1">
+            <a:spLocks/>
+          </p:cNvSpPr>
+          <p:nvPr/>
+        </p:nvSpPr>
+        <p:spPr>
+          <a:xfrm>
+            <a:off x="6095999" y="3595606"/>
+            <a:ext cx="5040000" cy="3262393"/>
+          </a:xfrm>
+          <a:prstGeom prst="rect">
+            <a:avLst/>
+          </a:prstGeom>
+        </p:spPr>
+        <p:txBody>
+          <a:bodyPr vert="horz" lIns="91440" tIns="45720" rIns="91440" bIns="45720" rtlCol="0" anchor="t" anchorCtr="0">
+            <a:noAutofit/>
+          </a:bodyPr>
+          <a:lstStyle>
+            <a:lvl1pPr algn="l" defTabSz="914377" rtl="0" eaLnBrk="1" latinLnBrk="0" hangingPunct="1">
+              <a:lnSpc>
+                <a:spcPct val="90000"/>
+              </a:lnSpc>
+              <a:spcBef>
+                <a:spcPct val="0"/>
+              </a:spcBef>
+              <a:buNone/>
+              <a:defRPr sz="2600" kern="1200">
+                <a:solidFill>
+                  <a:schemeClr val="tx1"/>
+                </a:solidFill>
+                <a:latin typeface="+mj-lt"/>
+                <a:ea typeface="+mj-ea"/>
+                <a:cs typeface="+mj-cs"/>
+              </a:defRPr>
+            </a:lvl1pPr>
+          </a:lstStyle>
+          <a:p>
+            <a:pPr algn="ctr"/>
+            <a:r>
+              <a:rPr lang="es-CO" sz="1600" dirty="0">
+                <a:solidFill>
+                  <a:schemeClr val="bg1">
+                    <a:lumMod val="25000"/>
+                  </a:schemeClr>
+                </a:solidFill>
+                <a:latin typeface="Segoe UI" panose="020B0502040204020203" pitchFamily="34" charset="0"/>
+                <a:ea typeface="Segoe UI Black" panose="020B0A02040204020203" pitchFamily="34" charset="0"/>
+                <a:cs typeface="Segoe UI" panose="020B0502040204020203" pitchFamily="34" charset="0"/>
+              </a:rPr>
+              <a:t>Expositor</a:t>
+            </a:r>
+          </a:p>
+          <a:p>
+            <a:pPr algn="ctr"/>
+            <a:r>
+              <a:rPr lang="es-CO" sz="1800" dirty="0">
+                <a:solidFill>
+                  <a:schemeClr val="bg1">
+                    <a:lumMod val="25000"/>
+                  </a:schemeClr>
+                </a:solidFill>
+                <a:latin typeface="Segoe UI" panose="020B0502040204020203" pitchFamily="34" charset="0"/>
+                <a:ea typeface="Segoe UI Black" panose="020B0A02040204020203" pitchFamily="34" charset="0"/>
+                <a:cs typeface="Segoe UI" panose="020B0502040204020203" pitchFamily="34" charset="0"/>
+              </a:rPr>
+              <a:t>Juan David Rodríguez Acevedo</a:t>
+            </a:r>
+          </a:p>
+          <a:p>
+            <a:pPr algn="ctr"/>
+            <a:r>
+              <a:rPr lang="es-CO" sz="1400" dirty="0">
+                <a:solidFill>
+                  <a:schemeClr val="bg1">
+                    <a:lumMod val="25000"/>
+                  </a:schemeClr>
+                </a:solidFill>
+                <a:latin typeface="Segoe UI" panose="020B0502040204020203" pitchFamily="34" charset="0"/>
+                <a:ea typeface="Segoe UI Black" panose="020B0A02040204020203" pitchFamily="34" charset="0"/>
+                <a:cs typeface="Segoe UI" panose="020B0502040204020203" pitchFamily="34" charset="0"/>
+              </a:rPr>
+              <a:t>juan.rodrigueza@escuelaing.edu.co</a:t>
+            </a:r>
+          </a:p>
+          <a:p>
+            <a:pPr algn="ctr"/>
+            <a:r>
+              <a:rPr lang="es-CO" sz="1400" dirty="0">
+                <a:solidFill>
+                  <a:schemeClr val="bg1">
+                    <a:lumMod val="25000"/>
+                  </a:schemeClr>
+                </a:solidFill>
+                <a:latin typeface="Segoe UI" panose="020B0502040204020203" pitchFamily="34" charset="0"/>
+                <a:ea typeface="Segoe UI Black" panose="020B0A02040204020203" pitchFamily="34" charset="0"/>
+                <a:cs typeface="Segoe UI" panose="020B0502040204020203" pitchFamily="34" charset="0"/>
+              </a:rPr>
+              <a:t>https://github.com/juanrodace</a:t>
+            </a:r>
+          </a:p>
+          <a:p>
+            <a:pPr algn="ctr"/>
+            <a:endParaRPr lang="es-CO" sz="1600" dirty="0">
+              <a:solidFill>
+                <a:schemeClr val="bg1">
+                  <a:lumMod val="25000"/>
+                </a:schemeClr>
+              </a:solidFill>
+              <a:latin typeface="Segoe UI" panose="020B0502040204020203" pitchFamily="34" charset="0"/>
+              <a:ea typeface="Segoe UI Black" panose="020B0A02040204020203" pitchFamily="34" charset="0"/>
+              <a:cs typeface="Segoe UI" panose="020B0502040204020203" pitchFamily="34" charset="0"/>
+            </a:endParaRPr>
+          </a:p>
+          <a:p>
+            <a:pPr algn="ctr"/>
+            <a:endParaRPr lang="es-CO" sz="1600" dirty="0">
+              <a:solidFill>
+                <a:schemeClr val="bg1">
+                  <a:lumMod val="25000"/>
+                </a:schemeClr>
+              </a:solidFill>
+              <a:latin typeface="Segoe UI" panose="020B0502040204020203" pitchFamily="34" charset="0"/>
+              <a:ea typeface="Segoe UI Black" panose="020B0A02040204020203" pitchFamily="34" charset="0"/>
+              <a:cs typeface="Segoe UI" panose="020B0502040204020203" pitchFamily="34" charset="0"/>
+            </a:endParaRPr>
+          </a:p>
+          <a:p>
+            <a:pPr algn="ctr"/>
+            <a:r>
+              <a:rPr lang="es-CO" sz="1600" dirty="0">
+                <a:solidFill>
+                  <a:schemeClr val="bg1">
+                    <a:lumMod val="25000"/>
+                  </a:schemeClr>
+                </a:solidFill>
+                <a:latin typeface="Segoe UI" panose="020B0502040204020203" pitchFamily="34" charset="0"/>
+                <a:ea typeface="Segoe UI Black" panose="020B0A02040204020203" pitchFamily="34" charset="0"/>
+                <a:cs typeface="Segoe UI" panose="020B0502040204020203" pitchFamily="34" charset="0"/>
+              </a:rPr>
+              <a:t>Cámara, edición y música</a:t>
+            </a:r>
+            <a:endParaRPr lang="es-CO" sz="1800" dirty="0">
+              <a:solidFill>
+                <a:schemeClr val="bg1">
+                  <a:lumMod val="25000"/>
+                </a:schemeClr>
+              </a:solidFill>
+              <a:latin typeface="Segoe UI" panose="020B0502040204020203" pitchFamily="34" charset="0"/>
+              <a:ea typeface="Segoe UI Black" panose="020B0A02040204020203" pitchFamily="34" charset="0"/>
+              <a:cs typeface="Segoe UI" panose="020B0502040204020203" pitchFamily="34" charset="0"/>
+            </a:endParaRPr>
+          </a:p>
+          <a:p>
+            <a:pPr algn="ctr"/>
+            <a:r>
+              <a:rPr lang="es-CO" sz="1800" dirty="0">
+                <a:solidFill>
+                  <a:schemeClr val="bg1">
+                    <a:lumMod val="25000"/>
+                  </a:schemeClr>
+                </a:solidFill>
+                <a:latin typeface="Segoe UI" panose="020B0502040204020203" pitchFamily="34" charset="0"/>
+                <a:ea typeface="Segoe UI Black" panose="020B0A02040204020203" pitchFamily="34" charset="0"/>
+                <a:cs typeface="Segoe UI" panose="020B0502040204020203" pitchFamily="34" charset="0"/>
+              </a:rPr>
+              <a:t>Juan Manuel Corredor</a:t>
+            </a:r>
+          </a:p>
+          <a:p>
+            <a:pPr algn="ctr"/>
+            <a:r>
+              <a:rPr lang="es-CO" sz="1400" dirty="0">
+                <a:solidFill>
+                  <a:schemeClr val="bg1">
+                    <a:lumMod val="25000"/>
+                  </a:schemeClr>
+                </a:solidFill>
+                <a:latin typeface="Segoe UI" panose="020B0502040204020203" pitchFamily="34" charset="0"/>
+                <a:ea typeface="Segoe UI Black" panose="020B0A02040204020203" pitchFamily="34" charset="0"/>
+                <a:cs typeface="Segoe UI" panose="020B0502040204020203" pitchFamily="34" charset="0"/>
+              </a:rPr>
+              <a:t>juan.corredor-u@escuelaing.edu.co</a:t>
+            </a:r>
+          </a:p>
+          <a:p>
+            <a:pPr algn="ctr"/>
+            <a:endParaRPr lang="es-CO" sz="1400" dirty="0">
+              <a:solidFill>
+                <a:schemeClr val="bg1">
+                  <a:lumMod val="25000"/>
+                </a:schemeClr>
+              </a:solidFill>
+              <a:latin typeface="Segoe UI" panose="020B0502040204020203" pitchFamily="34" charset="0"/>
+              <a:ea typeface="Segoe UI Black" panose="020B0A02040204020203" pitchFamily="34" charset="0"/>
+              <a:cs typeface="Segoe UI" panose="020B0502040204020203" pitchFamily="34" charset="0"/>
+            </a:endParaRPr>
+          </a:p>
+          <a:p>
+            <a:pPr algn="ctr"/>
+            <a:endParaRPr lang="es-CO" sz="1400" dirty="0">
+              <a:solidFill>
+                <a:schemeClr val="bg1">
+                  <a:lumMod val="25000"/>
+                </a:schemeClr>
+              </a:solidFill>
+              <a:latin typeface="Segoe UI" panose="020B0502040204020203" pitchFamily="34" charset="0"/>
+              <a:ea typeface="Segoe UI Black" panose="020B0A02040204020203" pitchFamily="34" charset="0"/>
+              <a:cs typeface="Segoe UI" panose="020B0502040204020203" pitchFamily="34" charset="0"/>
+            </a:endParaRPr>
+          </a:p>
+        </p:txBody>
+      </p:sp>
+      <p:sp>
+        <p:nvSpPr>
+          <p:cNvPr id="7" name="Title 1">
+            <a:extLst>
+              <a:ext uri="{FF2B5EF4-FFF2-40B4-BE49-F238E27FC236}">
+                <a16:creationId xmlns:a16="http://schemas.microsoft.com/office/drawing/2014/main" id="{4D31B05A-2637-641E-855D-FABE24D5B5FC}"/>
+              </a:ext>
+            </a:extLst>
+          </p:cNvPr>
+          <p:cNvSpPr txBox="1">
+            <a:spLocks/>
+          </p:cNvSpPr>
+          <p:nvPr/>
+        </p:nvSpPr>
+        <p:spPr>
+          <a:xfrm>
+            <a:off x="1055999" y="3595606"/>
+            <a:ext cx="5040000" cy="2071770"/>
+          </a:xfrm>
+          <a:prstGeom prst="rect">
+            <a:avLst/>
+          </a:prstGeom>
+        </p:spPr>
+        <p:txBody>
+          <a:bodyPr vert="horz" lIns="91440" tIns="45720" rIns="91440" bIns="45720" rtlCol="0" anchor="t" anchorCtr="0">
+            <a:noAutofit/>
+          </a:bodyPr>
+          <a:lstStyle>
+            <a:lvl1pPr algn="l" defTabSz="914377" rtl="0" eaLnBrk="1" latinLnBrk="0" hangingPunct="1">
+              <a:lnSpc>
+                <a:spcPct val="90000"/>
+              </a:lnSpc>
+              <a:spcBef>
+                <a:spcPct val="0"/>
+              </a:spcBef>
+              <a:buNone/>
+              <a:defRPr sz="2600" kern="1200">
+                <a:solidFill>
+                  <a:schemeClr val="tx1"/>
+                </a:solidFill>
+                <a:latin typeface="+mj-lt"/>
+                <a:ea typeface="+mj-ea"/>
+                <a:cs typeface="+mj-cs"/>
+              </a:defRPr>
+            </a:lvl1pPr>
+          </a:lstStyle>
+          <a:p>
+            <a:pPr algn="ctr"/>
+            <a:r>
+              <a:rPr lang="es-CO" sz="1600" dirty="0">
+                <a:solidFill>
+                  <a:schemeClr val="bg1">
+                    <a:lumMod val="25000"/>
+                  </a:schemeClr>
+                </a:solidFill>
+                <a:latin typeface="Segoe UI" panose="020B0502040204020203" pitchFamily="34" charset="0"/>
+                <a:ea typeface="Segoe UI Black" panose="020B0A02040204020203" pitchFamily="34" charset="0"/>
+                <a:cs typeface="Segoe UI" panose="020B0502040204020203" pitchFamily="34" charset="0"/>
+              </a:rPr>
+              <a:t>Dirección</a:t>
+            </a:r>
+            <a:endParaRPr lang="es-CO" sz="1800" dirty="0">
+              <a:solidFill>
+                <a:schemeClr val="bg1">
+                  <a:lumMod val="25000"/>
+                </a:schemeClr>
+              </a:solidFill>
+              <a:latin typeface="Segoe UI" panose="020B0502040204020203" pitchFamily="34" charset="0"/>
+              <a:ea typeface="Segoe UI Black" panose="020B0A02040204020203" pitchFamily="34" charset="0"/>
+              <a:cs typeface="Segoe UI" panose="020B0502040204020203" pitchFamily="34" charset="0"/>
+            </a:endParaRPr>
+          </a:p>
+          <a:p>
+            <a:pPr algn="ctr"/>
+            <a:r>
+              <a:rPr lang="es-CO" sz="1800" dirty="0">
+                <a:solidFill>
+                  <a:schemeClr val="bg1">
+                    <a:lumMod val="25000"/>
+                  </a:schemeClr>
+                </a:solidFill>
+                <a:latin typeface="Segoe UI" panose="020B0502040204020203" pitchFamily="34" charset="0"/>
+                <a:ea typeface="Segoe UI Black" panose="020B0A02040204020203" pitchFamily="34" charset="0"/>
+                <a:cs typeface="Segoe UI" panose="020B0502040204020203" pitchFamily="34" charset="0"/>
+              </a:rPr>
+              <a:t>Héctor Alfonso Rodríguez Díaz</a:t>
+            </a:r>
+          </a:p>
+          <a:p>
+            <a:pPr algn="ctr"/>
+            <a:r>
+              <a:rPr lang="es-CO" sz="1400" dirty="0">
+                <a:solidFill>
+                  <a:schemeClr val="bg1">
+                    <a:lumMod val="25000"/>
+                  </a:schemeClr>
+                </a:solidFill>
+                <a:latin typeface="Segoe UI" panose="020B0502040204020203" pitchFamily="34" charset="0"/>
+                <a:ea typeface="Segoe UI Black" panose="020B0A02040204020203" pitchFamily="34" charset="0"/>
+                <a:cs typeface="Segoe UI" panose="020B0502040204020203" pitchFamily="34" charset="0"/>
+              </a:rPr>
+              <a:t>alfonso.rodriguez@escuelaing.edu.co</a:t>
+            </a:r>
+          </a:p>
+          <a:p>
+            <a:pPr algn="ctr"/>
+            <a:endParaRPr lang="es-CO" sz="1400" dirty="0">
+              <a:solidFill>
+                <a:schemeClr val="bg1">
+                  <a:lumMod val="25000"/>
+                </a:schemeClr>
+              </a:solidFill>
+              <a:latin typeface="Segoe UI" panose="020B0502040204020203" pitchFamily="34" charset="0"/>
+              <a:ea typeface="Segoe UI Black" panose="020B0A02040204020203" pitchFamily="34" charset="0"/>
+              <a:cs typeface="Segoe UI" panose="020B0502040204020203" pitchFamily="34" charset="0"/>
+            </a:endParaRPr>
+          </a:p>
+          <a:p>
+            <a:pPr algn="ctr"/>
+            <a:endParaRPr lang="es-CO" sz="1400" dirty="0">
+              <a:solidFill>
+                <a:schemeClr val="bg1">
+                  <a:lumMod val="25000"/>
+                </a:schemeClr>
+              </a:solidFill>
+              <a:latin typeface="Segoe UI" panose="020B0502040204020203" pitchFamily="34" charset="0"/>
+              <a:ea typeface="Segoe UI Black" panose="020B0A02040204020203" pitchFamily="34" charset="0"/>
+              <a:cs typeface="Segoe UI" panose="020B0502040204020203" pitchFamily="34" charset="0"/>
+            </a:endParaRPr>
+          </a:p>
+          <a:p>
+            <a:pPr algn="ctr"/>
+            <a:r>
+              <a:rPr lang="es-CO" sz="1600" dirty="0">
+                <a:solidFill>
+                  <a:schemeClr val="bg1">
+                    <a:lumMod val="25000"/>
+                  </a:schemeClr>
+                </a:solidFill>
+                <a:latin typeface="Segoe UI" panose="020B0502040204020203" pitchFamily="34" charset="0"/>
+                <a:ea typeface="Segoe UI Black" panose="020B0A02040204020203" pitchFamily="34" charset="0"/>
+                <a:cs typeface="Segoe UI" panose="020B0502040204020203" pitchFamily="34" charset="0"/>
+              </a:rPr>
+              <a:t>Contenido digital</a:t>
+            </a:r>
+          </a:p>
+          <a:p>
+            <a:pPr algn="ctr"/>
+            <a:r>
+              <a:rPr lang="es-CO" sz="1800" dirty="0">
+                <a:solidFill>
+                  <a:schemeClr val="bg1">
+                    <a:lumMod val="25000"/>
+                  </a:schemeClr>
+                </a:solidFill>
+                <a:latin typeface="Segoe UI" panose="020B0502040204020203" pitchFamily="34" charset="0"/>
+                <a:ea typeface="Segoe UI Black" panose="020B0A02040204020203" pitchFamily="34" charset="0"/>
+                <a:cs typeface="Segoe UI" panose="020B0502040204020203" pitchFamily="34" charset="0"/>
+              </a:rPr>
+              <a:t>Juan David Rodríguez Acevedo</a:t>
+            </a:r>
+          </a:p>
+          <a:p>
+            <a:pPr algn="ctr"/>
+            <a:r>
+              <a:rPr lang="es-CO" sz="1400" dirty="0">
+                <a:solidFill>
+                  <a:schemeClr val="bg1">
+                    <a:lumMod val="25000"/>
+                  </a:schemeClr>
+                </a:solidFill>
+                <a:latin typeface="Segoe UI" panose="020B0502040204020203" pitchFamily="34" charset="0"/>
+                <a:ea typeface="Segoe UI Black" panose="020B0A02040204020203" pitchFamily="34" charset="0"/>
+                <a:cs typeface="Segoe UI" panose="020B0502040204020203" pitchFamily="34" charset="0"/>
+              </a:rPr>
+              <a:t>juan.rodrigueza@escuelaing.edu.co</a:t>
+            </a:r>
+          </a:p>
+          <a:p>
+            <a:pPr algn="ctr"/>
+            <a:r>
+              <a:rPr lang="es-CO" sz="1400" dirty="0">
+                <a:solidFill>
+                  <a:schemeClr val="bg1">
+                    <a:lumMod val="25000"/>
+                  </a:schemeClr>
+                </a:solidFill>
+                <a:latin typeface="Segoe UI" panose="020B0502040204020203" pitchFamily="34" charset="0"/>
+                <a:ea typeface="Segoe UI Black" panose="020B0A02040204020203" pitchFamily="34" charset="0"/>
+                <a:cs typeface="Segoe UI" panose="020B0502040204020203" pitchFamily="34" charset="0"/>
+              </a:rPr>
+              <a:t>https://github.com/juanrodace/</a:t>
+            </a:r>
+          </a:p>
+        </p:txBody>
+      </p:sp>
+      <p:pic>
+        <p:nvPicPr>
+          <p:cNvPr id="4" name="Graphic 3">
+            <a:extLst>
+              <a:ext uri="{FF2B5EF4-FFF2-40B4-BE49-F238E27FC236}">
+                <a16:creationId xmlns:a16="http://schemas.microsoft.com/office/drawing/2014/main" id="{50FD19C5-BDA1-AA73-30F7-387B18E48D1F}"/>
+              </a:ext>
+            </a:extLst>
+          </p:cNvPr>
+          <p:cNvPicPr>
+            <a:picLocks noChangeAspect="1"/>
+          </p:cNvPicPr>
+          <p:nvPr/>
+        </p:nvPicPr>
+        <p:blipFill>
+          <a:blip r:embed="rId3">
+            <a:extLst>
+              <a:ext uri="{96DAC541-7B7A-43D3-8B79-37D633B846F1}">
+                <asvg:svgBlip xmlns:asvg="http://schemas.microsoft.com/office/drawing/2016/SVG/main" r:embed="rId4"/>
+              </a:ext>
+            </a:extLst>
+          </a:blip>
+          <a:stretch>
+            <a:fillRect/>
+          </a:stretch>
+        </p:blipFill>
+        <p:spPr>
+          <a:xfrm>
+            <a:off x="4851374" y="1647144"/>
+            <a:ext cx="2160000" cy="1037739"/>
+          </a:xfrm>
+          <a:prstGeom prst="rect">
+            <a:avLst/>
+          </a:prstGeom>
+        </p:spPr>
+      </p:pic>
+      <p:pic>
+        <p:nvPicPr>
+          <p:cNvPr id="8" name="Graphic 7">
+            <a:extLst>
+              <a:ext uri="{FF2B5EF4-FFF2-40B4-BE49-F238E27FC236}">
+                <a16:creationId xmlns:a16="http://schemas.microsoft.com/office/drawing/2014/main" id="{75C469DA-D012-E443-0DB2-0AC049C3A920}"/>
+              </a:ext>
+            </a:extLst>
+          </p:cNvPr>
+          <p:cNvPicPr>
+            <a:picLocks noChangeAspect="1"/>
+          </p:cNvPicPr>
+          <p:nvPr/>
+        </p:nvPicPr>
+        <p:blipFill>
+          <a:blip r:embed="rId5">
+            <a:extLst>
+              <a:ext uri="{96DAC541-7B7A-43D3-8B79-37D633B846F1}">
+                <asvg:svgBlip xmlns:asvg="http://schemas.microsoft.com/office/drawing/2016/SVG/main" r:embed="rId6"/>
+              </a:ext>
+            </a:extLst>
+          </a:blip>
+          <a:stretch>
+            <a:fillRect/>
+          </a:stretch>
+        </p:blipFill>
+        <p:spPr>
+          <a:xfrm>
+            <a:off x="1415999" y="1604884"/>
+            <a:ext cx="2160000" cy="1122261"/>
+          </a:xfrm>
+          <a:prstGeom prst="rect">
+            <a:avLst/>
+          </a:prstGeom>
+        </p:spPr>
+      </p:pic>
+      <p:pic>
+        <p:nvPicPr>
+          <p:cNvPr id="10" name="Graphic 9">
+            <a:extLst>
+              <a:ext uri="{FF2B5EF4-FFF2-40B4-BE49-F238E27FC236}">
+                <a16:creationId xmlns:a16="http://schemas.microsoft.com/office/drawing/2014/main" id="{0F4EC895-97D1-6A45-FE7D-7DA1B49F55B1}"/>
+              </a:ext>
+            </a:extLst>
+          </p:cNvPr>
+          <p:cNvPicPr>
+            <a:picLocks noChangeAspect="1"/>
+          </p:cNvPicPr>
+          <p:nvPr/>
+        </p:nvPicPr>
+        <p:blipFill>
+          <a:blip r:embed="rId7">
+            <a:extLst>
+              <a:ext uri="{96DAC541-7B7A-43D3-8B79-37D633B846F1}">
+                <asvg:svgBlip xmlns:asvg="http://schemas.microsoft.com/office/drawing/2016/SVG/main" r:embed="rId8"/>
+              </a:ext>
+            </a:extLst>
+          </a:blip>
+          <a:stretch>
+            <a:fillRect/>
+          </a:stretch>
+        </p:blipFill>
+        <p:spPr>
+          <a:xfrm>
+            <a:off x="8286750" y="1658885"/>
+            <a:ext cx="2160000" cy="1014261"/>
+          </a:xfrm>
+          <a:prstGeom prst="rect">
+            <a:avLst/>
+          </a:prstGeom>
+        </p:spPr>
+      </p:pic>
+    </p:spTree>
+    <p:extLst>
+      <p:ext uri="{BB962C8B-B14F-4D97-AF65-F5344CB8AC3E}">
+        <p14:creationId xmlns:p14="http://schemas.microsoft.com/office/powerpoint/2010/main" val="3656004048"/>
       </p:ext>
     </p:extLst>
   </p:cSld>
@@ -7907,75 +8498,6 @@
           <a:chExt cx="0" cy="0"/>
         </a:xfrm>
       </p:grpSpPr>
-      <p:graphicFrame>
-        <p:nvGraphicFramePr>
-          <p:cNvPr id="3" name="Object 5">
-            <a:extLst>
-              <a:ext uri="{FF2B5EF4-FFF2-40B4-BE49-F238E27FC236}">
-                <a16:creationId xmlns:a16="http://schemas.microsoft.com/office/drawing/2014/main" id="{9E68229B-2459-79C1-A444-C6792315E704}"/>
-              </a:ext>
-            </a:extLst>
-          </p:cNvPr>
-          <p:cNvGraphicFramePr>
-            <a:graphicFrameLocks noChangeAspect="1"/>
-          </p:cNvGraphicFramePr>
-          <p:nvPr>
-            <p:extLst>
-              <p:ext uri="{D42A27DB-BD31-4B8C-83A1-F6EECF244321}">
-                <p14:modId xmlns:p14="http://schemas.microsoft.com/office/powerpoint/2010/main" val="3974551819"/>
-              </p:ext>
-            </p:extLst>
-          </p:nvPr>
-        </p:nvGraphicFramePr>
-        <p:xfrm>
-          <a:off x="1" y="0"/>
-          <a:ext cx="12191999" cy="6858000"/>
-        </p:xfrm>
-        <a:graphic>
-          <a:graphicData uri="http://schemas.openxmlformats.org/presentationml/2006/ole">
-            <mc:AlternateContent xmlns:mc="http://schemas.openxmlformats.org/markup-compatibility/2006">
-              <mc:Choice xmlns:v="urn:schemas-microsoft-com:vml" Requires="v">
-                <p:oleObj name="CorelDRAW" r:id="rId2" imgW="7480342" imgH="4222569" progId="CorelDraw.Graphic.24">
-                  <p:embed/>
-                </p:oleObj>
-              </mc:Choice>
-              <mc:Fallback>
-                <p:oleObj name="CorelDRAW" r:id="rId2" imgW="7480342" imgH="4222569" progId="CorelDraw.Graphic.24">
-                  <p:embed/>
-                  <p:pic>
-                    <p:nvPicPr>
-                      <p:cNvPr id="11" name="Object 5">
-                        <a:extLst>
-                          <a:ext uri="{FF2B5EF4-FFF2-40B4-BE49-F238E27FC236}">
-                            <a16:creationId xmlns:a16="http://schemas.microsoft.com/office/drawing/2014/main" id="{F5AE930A-EFBB-690D-0779-3D4355A2FC03}"/>
-                          </a:ext>
-                        </a:extLst>
-                      </p:cNvPr>
-                      <p:cNvPicPr/>
-                      <p:nvPr/>
-                    </p:nvPicPr>
-                    <p:blipFill>
-                      <a:blip r:embed="rId3"/>
-                      <a:stretch>
-                        <a:fillRect/>
-                      </a:stretch>
-                    </p:blipFill>
-                    <p:spPr>
-                      <a:xfrm>
-                        <a:off x="1" y="0"/>
-                        <a:ext cx="12191999" cy="6858000"/>
-                      </a:xfrm>
-                      <a:prstGeom prst="rect">
-                        <a:avLst/>
-                      </a:prstGeom>
-                    </p:spPr>
-                  </p:pic>
-                </p:oleObj>
-              </mc:Fallback>
-            </mc:AlternateContent>
-          </a:graphicData>
-        </a:graphic>
-      </p:graphicFrame>
       <p:sp>
         <p:nvSpPr>
           <p:cNvPr id="2" name="Título 1">
@@ -8000,10 +8522,10 @@
           <a:lstStyle/>
           <a:p>
             <a:r>
-              <a:rPr lang="es-CO" sz="4800" dirty="0"/>
+              <a:rPr lang="es-CO" sz="4400" dirty="0"/>
               <a:t>Contenido del curso.</a:t>
             </a:r>
-            <a:endParaRPr lang="en-US" sz="4800" dirty="0"/>
+            <a:endParaRPr lang="en-US" sz="4400" dirty="0"/>
           </a:p>
         </p:txBody>
       </p:sp>
@@ -8134,7 +8656,7 @@
             </a:pPr>
             <a:r>
               <a:rPr lang="es-ES" dirty="0"/>
-              <a:t>Estudios hidráulicos.</a:t>
+              <a:t>Flujo uniforme y variado.</a:t>
             </a:r>
           </a:p>
           <a:p>
@@ -8144,7 +8666,7 @@
             </a:pPr>
             <a:r>
               <a:rPr lang="es-ES" dirty="0"/>
-              <a:t>Modelación hidráulica.</a:t>
+              <a:t>Flujo no permanente.</a:t>
             </a:r>
           </a:p>
           <a:p>
@@ -8154,7 +8676,17 @@
             </a:pPr>
             <a:r>
               <a:rPr lang="es-ES" dirty="0"/>
-              <a:t>Aplicación HEC-RAS y tipos de análisis.</a:t>
+              <a:t>Estudios hidráulicos y modelación.</a:t>
+            </a:r>
+          </a:p>
+          <a:p>
+            <a:pPr marL="514350" indent="-457200">
+              <a:buFont typeface="+mj-lt"/>
+              <a:buAutoNum type="arabicPeriod"/>
+            </a:pPr>
+            <a:r>
+              <a:rPr lang="es-ES" dirty="0"/>
+              <a:t>HEC-RAS. Generalidades y usos.</a:t>
             </a:r>
           </a:p>
           <a:p>
@@ -8327,7 +8859,7 @@
                 <a:latin typeface="+mj-lt"/>
                 <a:cs typeface="Adobe Devanagari" panose="02040503050201020203" pitchFamily="18" charset="0"/>
               </a:rPr>
-              <a:t>Definición de condiciones hidráulicas.</a:t>
+              <a:t>Cargue de información topográfica.</a:t>
             </a:r>
           </a:p>
           <a:p>
@@ -8340,7 +8872,7 @@
                 <a:latin typeface="+mj-lt"/>
                 <a:cs typeface="Adobe Devanagari" panose="02040503050201020203" pitchFamily="18" charset="0"/>
               </a:rPr>
-              <a:t>Simulación en régimen permanente 1D.</a:t>
+              <a:t>Modificación de la geometría.</a:t>
             </a:r>
           </a:p>
           <a:p>
@@ -8353,7 +8885,7 @@
                 <a:latin typeface="+mj-lt"/>
                 <a:cs typeface="Adobe Devanagari" panose="02040503050201020203" pitchFamily="18" charset="0"/>
               </a:rPr>
-              <a:t>Simulación en régimen no permanente 1D.</a:t>
+              <a:t>Definición de condiciones de frontera.</a:t>
             </a:r>
           </a:p>
           <a:p>
@@ -8366,7 +8898,20 @@
                 <a:latin typeface="+mj-lt"/>
                 <a:cs typeface="Adobe Devanagari" panose="02040503050201020203" pitchFamily="18" charset="0"/>
               </a:rPr>
-              <a:t>Cargue de información topográfica.</a:t>
+              <a:t>Simulación 1D en régimen permanente.</a:t>
+            </a:r>
+          </a:p>
+          <a:p>
+            <a:pPr marL="514350" indent="-514350">
+              <a:buFont typeface="+mj-lt"/>
+              <a:buAutoNum type="arabicPeriod"/>
+            </a:pPr>
+            <a:r>
+              <a:rPr lang="es-ES" sz="2400" dirty="0">
+                <a:latin typeface="+mj-lt"/>
+                <a:cs typeface="Adobe Devanagari" panose="02040503050201020203" pitchFamily="18" charset="0"/>
+              </a:rPr>
+              <a:t>Simulación 1D en régimen no permanente.</a:t>
             </a:r>
           </a:p>
           <a:p>
@@ -9426,6 +9971,15 @@
 </file>
 
 <file path=customXml/item1.xml><?xml version="1.0" encoding="utf-8"?>
+<?mso-contentType ?>
+<FormTemplates xmlns="http://schemas.microsoft.com/sharepoint/v3/contenttype/forms">
+  <Display>DocumentLibraryForm</Display>
+  <Edit>DocumentLibraryForm</Edit>
+  <New>DocumentLibraryForm</New>
+</FormTemplates>
+</file>
+
+<file path=customXml/item2.xml><?xml version="1.0" encoding="utf-8"?>
 <ct:contentTypeSchema xmlns:ct="http://schemas.microsoft.com/office/2006/metadata/contentType" xmlns:ma="http://schemas.microsoft.com/office/2006/metadata/properties/metaAttributes" ct:_="" ma:_="" ma:contentTypeName="Document" ma:contentTypeID="0x010100C089011499791B4EB69D0A56FFA67F2B" ma:contentTypeVersion="30" ma:contentTypeDescription="Create a new document." ma:contentTypeScope="" ma:versionID="f76dc847e91b26043a9f85409c9c8da8">
   <xsd:schema xmlns:xsd="http://www.w3.org/2001/XMLSchema" xmlns:xs="http://www.w3.org/2001/XMLSchema" xmlns:p="http://schemas.microsoft.com/office/2006/metadata/properties" xmlns:ns3="bf3e1746-bde1-4d6e-9c3f-7182572f7502" xmlns:ns4="14224164-2045-4b51-92bb-313d0f626d83" targetNamespace="http://schemas.microsoft.com/office/2006/metadata/properties" ma:root="true" ma:fieldsID="e77e75136ac7a83ebab10a30c2d6fe6c" ns3:_="" ns4:_="">
     <xsd:import namespace="bf3e1746-bde1-4d6e-9c3f-7182572f7502"/>
@@ -9816,15 +10370,6 @@
 </ct:contentTypeSchema>
 </file>
 
-<file path=customXml/item2.xml><?xml version="1.0" encoding="utf-8"?>
-<?mso-contentType ?>
-<FormTemplates xmlns="http://schemas.microsoft.com/sharepoint/v3/contenttype/forms">
-  <Display>DocumentLibraryForm</Display>
-  <Edit>DocumentLibraryForm</Edit>
-  <New>DocumentLibraryForm</New>
-</FormTemplates>
-</file>
-
 <file path=customXml/item3.xml><?xml version="1.0" encoding="utf-8"?>
 <p:properties xmlns:p="http://schemas.microsoft.com/office/2006/metadata/properties" xmlns:xsi="http://www.w3.org/2001/XMLSchema-instance" xmlns:pc="http://schemas.microsoft.com/office/infopath/2007/PartnerControls">
   <documentManagement>
@@ -9877,6 +10422,14 @@
 </file>
 
 <file path=customXml/itemProps1.xml><?xml version="1.0" encoding="utf-8"?>
+<ds:datastoreItem xmlns:ds="http://schemas.openxmlformats.org/officeDocument/2006/customXml" ds:itemID="{B024FD56-CE1B-42FC-9E83-BFBF160724C6}">
+  <ds:schemaRefs>
+    <ds:schemaRef ds:uri="http://schemas.microsoft.com/sharepoint/v3/contenttype/forms"/>
+  </ds:schemaRefs>
+</ds:datastoreItem>
+</file>
+
+<file path=customXml/itemProps2.xml><?xml version="1.0" encoding="utf-8"?>
 <ds:datastoreItem xmlns:ds="http://schemas.openxmlformats.org/officeDocument/2006/customXml" ds:itemID="{A129B439-51BE-4A7D-9272-FBD057297E66}">
   <ds:schemaRefs>
     <ds:schemaRef ds:uri="http://schemas.microsoft.com/office/2006/metadata/contentType"/>
@@ -9891,14 +10444,6 @@
     <ds:schemaRef ds:uri="http://purl.org/dc/elements/1.1/"/>
     <ds:schemaRef ds:uri="http://purl.org/dc/terms/"/>
     <ds:schemaRef ds:uri="http://schemas.microsoft.com/internal/obd"/>
-  </ds:schemaRefs>
-</ds:datastoreItem>
-</file>
-
-<file path=customXml/itemProps2.xml><?xml version="1.0" encoding="utf-8"?>
-<ds:datastoreItem xmlns:ds="http://schemas.openxmlformats.org/officeDocument/2006/customXml" ds:itemID="{B024FD56-CE1B-42FC-9E83-BFBF160724C6}">
-  <ds:schemaRefs>
-    <ds:schemaRef ds:uri="http://schemas.microsoft.com/sharepoint/v3/contenttype/forms"/>
   </ds:schemaRefs>
 </ds:datastoreItem>
 </file>
